--- a/DemoPresentation.pptx
+++ b/DemoPresentation.pptx
@@ -935,7 +935,7 @@
           </a:solidFill>
           <a:ln w="12700">
             <a:solidFill>
-              <a:srgbClr val="FFFFFF"/>
+              <a:srgbClr val="E3E7ED"/>
             </a:solidFill>
             <a:prstDash val="solid"/>
           </a:ln>
